--- a/docs/diagrams/ModelComponentPasswordSequenceDiagram.pptx
+++ b/docs/diagrams/ModelComponentPasswordSequenceDiagram.pptx
@@ -208,7 +208,7 @@
           <a:p>
             <a:fld id="{F5CC4B3F-88C1-4FFA-B1B6-F41C21DC6924}" type="datetimeFigureOut">
               <a:rPr lang="en-US" smtClean="0"/>
-              <a:t>3/23/2018</a:t>
+              <a:t>4/15/2018</a:t>
             </a:fld>
             <a:endParaRPr lang="en-US"/>
           </a:p>
@@ -654,7 +654,7 @@
           <a:p>
             <a:fld id="{78C97017-6FC3-485B-9764-EAC9E56C1D49}" type="datetimeFigureOut">
               <a:rPr lang="en-US" smtClean="0"/>
-              <a:t>3/23/2018</a:t>
+              <a:t>4/15/2018</a:t>
             </a:fld>
             <a:endParaRPr lang="en-US"/>
           </a:p>
@@ -822,7 +822,7 @@
           <a:p>
             <a:fld id="{78C97017-6FC3-485B-9764-EAC9E56C1D49}" type="datetimeFigureOut">
               <a:rPr lang="en-US" smtClean="0"/>
-              <a:t>3/23/2018</a:t>
+              <a:t>4/15/2018</a:t>
             </a:fld>
             <a:endParaRPr lang="en-US"/>
           </a:p>
@@ -1000,7 +1000,7 @@
           <a:p>
             <a:fld id="{78C97017-6FC3-485B-9764-EAC9E56C1D49}" type="datetimeFigureOut">
               <a:rPr lang="en-US" smtClean="0"/>
-              <a:t>3/23/2018</a:t>
+              <a:t>4/15/2018</a:t>
             </a:fld>
             <a:endParaRPr lang="en-US"/>
           </a:p>
@@ -1168,7 +1168,7 @@
           <a:p>
             <a:fld id="{78C97017-6FC3-485B-9764-EAC9E56C1D49}" type="datetimeFigureOut">
               <a:rPr lang="en-US" smtClean="0"/>
-              <a:t>3/23/2018</a:t>
+              <a:t>4/15/2018</a:t>
             </a:fld>
             <a:endParaRPr lang="en-US"/>
           </a:p>
@@ -1413,7 +1413,7 @@
           <a:p>
             <a:fld id="{78C97017-6FC3-485B-9764-EAC9E56C1D49}" type="datetimeFigureOut">
               <a:rPr lang="en-US" smtClean="0"/>
-              <a:t>3/23/2018</a:t>
+              <a:t>4/15/2018</a:t>
             </a:fld>
             <a:endParaRPr lang="en-US"/>
           </a:p>
@@ -1698,7 +1698,7 @@
           <a:p>
             <a:fld id="{78C97017-6FC3-485B-9764-EAC9E56C1D49}" type="datetimeFigureOut">
               <a:rPr lang="en-US" smtClean="0"/>
-              <a:t>3/23/2018</a:t>
+              <a:t>4/15/2018</a:t>
             </a:fld>
             <a:endParaRPr lang="en-US"/>
           </a:p>
@@ -2117,7 +2117,7 @@
           <a:p>
             <a:fld id="{78C97017-6FC3-485B-9764-EAC9E56C1D49}" type="datetimeFigureOut">
               <a:rPr lang="en-US" smtClean="0"/>
-              <a:t>3/23/2018</a:t>
+              <a:t>4/15/2018</a:t>
             </a:fld>
             <a:endParaRPr lang="en-US"/>
           </a:p>
@@ -2234,7 +2234,7 @@
           <a:p>
             <a:fld id="{78C97017-6FC3-485B-9764-EAC9E56C1D49}" type="datetimeFigureOut">
               <a:rPr lang="en-US" smtClean="0"/>
-              <a:t>3/23/2018</a:t>
+              <a:t>4/15/2018</a:t>
             </a:fld>
             <a:endParaRPr lang="en-US"/>
           </a:p>
@@ -2329,7 +2329,7 @@
           <a:p>
             <a:fld id="{78C97017-6FC3-485B-9764-EAC9E56C1D49}" type="datetimeFigureOut">
               <a:rPr lang="en-US" smtClean="0"/>
-              <a:t>3/23/2018</a:t>
+              <a:t>4/15/2018</a:t>
             </a:fld>
             <a:endParaRPr lang="en-US"/>
           </a:p>
@@ -2604,7 +2604,7 @@
           <a:p>
             <a:fld id="{78C97017-6FC3-485B-9764-EAC9E56C1D49}" type="datetimeFigureOut">
               <a:rPr lang="en-US" smtClean="0"/>
-              <a:t>3/23/2018</a:t>
+              <a:t>4/15/2018</a:t>
             </a:fld>
             <a:endParaRPr lang="en-US"/>
           </a:p>
@@ -2856,7 +2856,7 @@
           <a:p>
             <a:fld id="{78C97017-6FC3-485B-9764-EAC9E56C1D49}" type="datetimeFigureOut">
               <a:rPr lang="en-US" smtClean="0"/>
-              <a:t>3/23/2018</a:t>
+              <a:t>4/15/2018</a:t>
             </a:fld>
             <a:endParaRPr lang="en-US"/>
           </a:p>
@@ -3067,7 +3067,7 @@
           <a:p>
             <a:fld id="{78C97017-6FC3-485B-9764-EAC9E56C1D49}" type="datetimeFigureOut">
               <a:rPr lang="en-US" smtClean="0"/>
-              <a:t>3/23/2018</a:t>
+              <a:t>4/15/2018</a:t>
             </a:fld>
             <a:endParaRPr lang="en-US"/>
           </a:p>
@@ -3459,7 +3459,7 @@
             </a:avLst>
           </a:prstGeom>
           <a:solidFill>
-            <a:schemeClr val="accent1">
+            <a:schemeClr val="accent4">
               <a:lumMod val="20000"/>
               <a:lumOff val="80000"/>
             </a:schemeClr>
@@ -3488,16 +3488,16 @@
           <a:lstStyle/>
           <a:p>
             <a:r>
-              <a:rPr lang="en-US" sz="1200" b="1" smtClean="0">
+              <a:rPr lang="en-US" sz="1200" b="1" dirty="0">
                 <a:solidFill>
-                  <a:srgbClr val="0070C0"/>
+                  <a:srgbClr val="7030A0"/>
                 </a:solidFill>
               </a:rPr>
               <a:t>Model</a:t>
             </a:r>
             <a:endParaRPr lang="en-SG" sz="1200" b="1" dirty="0">
               <a:solidFill>
-                <a:srgbClr val="0070C0"/>
+                <a:srgbClr val="7030A0"/>
               </a:solidFill>
             </a:endParaRPr>
           </a:p>
@@ -3518,11 +3518,11 @@
             <a:avLst/>
           </a:prstGeom>
           <a:solidFill>
-            <a:srgbClr val="0070C0"/>
+            <a:srgbClr val="7030A0"/>
           </a:solidFill>
           <a:ln w="19050">
             <a:solidFill>
-              <a:srgbClr val="0070C0"/>
+              <a:srgbClr val="7030A0"/>
             </a:solidFill>
           </a:ln>
           <a:effectLst/>
@@ -3547,7 +3547,7 @@
           <a:p>
             <a:pPr algn="ctr"/>
             <a:r>
-              <a:rPr lang="en-US" sz="1600" dirty="0" smtClean="0">
+              <a:rPr lang="en-US" sz="1600" dirty="0">
                 <a:solidFill>
                   <a:schemeClr val="bg1"/>
                 </a:solidFill>
@@ -3555,7 +3555,7 @@
               <a:t>:</a:t>
             </a:r>
             <a:r>
-              <a:rPr lang="en-US" sz="1600" dirty="0" err="1" smtClean="0">
+              <a:rPr lang="en-US" sz="1600" dirty="0" err="1">
                 <a:solidFill>
                   <a:schemeClr val="bg1"/>
                 </a:solidFill>
@@ -3574,38 +3574,34 @@
         <p:nvCxnSpPr>
           <p:cNvPr id="5" name="Straight Connector 4"/>
           <p:cNvCxnSpPr>
-            <a:endCxn id="6" idx="2"/>
+            <a:cxnSpLocks/>
           </p:cNvCxnSpPr>
           <p:nvPr/>
         </p:nvCxnSpPr>
         <p:spPr>
           <a:xfrm>
             <a:off x="2937614" y="2717769"/>
-            <a:ext cx="5893" cy="844983"/>
+            <a:ext cx="0" cy="1168431"/>
           </a:xfrm>
           <a:prstGeom prst="line">
             <a:avLst/>
           </a:prstGeom>
           <a:ln w="19050">
-            <a:solidFill>
-              <a:srgbClr val="0070C0"/>
-            </a:solidFill>
-            <a:prstDash val="sysDash"/>
+            <a:prstDash val="sysDot"/>
           </a:ln>
-          <a:effectLst/>
         </p:spPr>
         <p:style>
           <a:lnRef idx="1">
-            <a:schemeClr val="accent1"/>
+            <a:schemeClr val="accent4"/>
           </a:lnRef>
-          <a:fillRef idx="2">
-            <a:schemeClr val="accent1"/>
+          <a:fillRef idx="0">
+            <a:schemeClr val="accent4"/>
           </a:fillRef>
-          <a:effectRef idx="1">
-            <a:schemeClr val="accent1"/>
+          <a:effectRef idx="0">
+            <a:schemeClr val="accent4"/>
           </a:effectRef>
           <a:fontRef idx="minor">
-            <a:schemeClr val="dk1"/>
+            <a:schemeClr val="tx1"/>
           </a:fontRef>
         </p:style>
       </p:cxnSp>
@@ -3618,17 +3614,17 @@
         <p:spPr>
           <a:xfrm>
             <a:off x="2865605" y="3068463"/>
-            <a:ext cx="155803" cy="494289"/>
+            <a:ext cx="155803" cy="633069"/>
           </a:xfrm>
           <a:prstGeom prst="rect">
             <a:avLst/>
           </a:prstGeom>
           <a:solidFill>
-            <a:srgbClr val="0070C0"/>
+            <a:srgbClr val="7030A0"/>
           </a:solidFill>
           <a:ln>
             <a:solidFill>
-              <a:srgbClr val="0070C0"/>
+              <a:srgbClr val="7030A0"/>
             </a:solidFill>
           </a:ln>
           <a:effectLst/>
@@ -3671,11 +3667,11 @@
             <a:avLst/>
           </a:prstGeom>
           <a:solidFill>
-            <a:srgbClr val="0070C0"/>
+            <a:srgbClr val="7030A0"/>
           </a:solidFill>
           <a:ln w="19050">
             <a:solidFill>
-              <a:srgbClr val="0070C0"/>
+              <a:srgbClr val="7030A0"/>
             </a:solidFill>
           </a:ln>
           <a:effectLst/>
@@ -3711,7 +3707,7 @@
           <a:p>
             <a:pPr algn="ctr"/>
             <a:r>
-              <a:rPr lang="en-US" sz="1600" dirty="0" smtClean="0">
+              <a:rPr lang="en-US" sz="1600" dirty="0">
                 <a:solidFill>
                   <a:schemeClr val="bg1"/>
                 </a:solidFill>
@@ -3730,38 +3726,34 @@
         <p:nvCxnSpPr>
           <p:cNvPr id="17" name="Straight Connector 16"/>
           <p:cNvCxnSpPr>
-            <a:endCxn id="18" idx="2"/>
+            <a:cxnSpLocks/>
           </p:cNvCxnSpPr>
           <p:nvPr/>
         </p:nvCxnSpPr>
         <p:spPr>
           <a:xfrm>
             <a:off x="4721354" y="2721456"/>
-            <a:ext cx="15456" cy="929297"/>
+            <a:ext cx="9562" cy="1164744"/>
           </a:xfrm>
           <a:prstGeom prst="line">
             <a:avLst/>
           </a:prstGeom>
           <a:ln w="19050">
-            <a:solidFill>
-              <a:srgbClr val="0070C0"/>
-            </a:solidFill>
-            <a:prstDash val="sysDash"/>
+            <a:prstDash val="sysDot"/>
           </a:ln>
-          <a:effectLst/>
         </p:spPr>
         <p:style>
           <a:lnRef idx="1">
-            <a:schemeClr val="accent1"/>
+            <a:schemeClr val="accent4"/>
           </a:lnRef>
-          <a:fillRef idx="2">
-            <a:schemeClr val="accent1"/>
+          <a:fillRef idx="0">
+            <a:schemeClr val="accent4"/>
           </a:fillRef>
-          <a:effectRef idx="1">
-            <a:schemeClr val="accent1"/>
+          <a:effectRef idx="0">
+            <a:schemeClr val="accent4"/>
           </a:effectRef>
           <a:fontRef idx="minor">
-            <a:schemeClr val="dk1"/>
+            <a:schemeClr val="tx1"/>
           </a:fontRef>
         </p:style>
       </p:cxnSp>
@@ -3774,17 +3766,17 @@
         <p:spPr>
           <a:xfrm>
             <a:off x="4649345" y="3179649"/>
-            <a:ext cx="174929" cy="471104"/>
+            <a:ext cx="174929" cy="383103"/>
           </a:xfrm>
           <a:prstGeom prst="rect">
             <a:avLst/>
           </a:prstGeom>
           <a:solidFill>
-            <a:srgbClr val="0070C0"/>
+            <a:srgbClr val="7030A0"/>
           </a:solidFill>
           <a:ln>
             <a:solidFill>
-              <a:srgbClr val="0070C0"/>
+              <a:srgbClr val="7030A0"/>
             </a:solidFill>
           </a:ln>
           <a:effectLst/>
@@ -3819,20 +3811,22 @@
       <p:cxnSp>
         <p:nvCxnSpPr>
           <p:cNvPr id="23" name="Straight Arrow Connector 22"/>
-          <p:cNvCxnSpPr/>
+          <p:cNvCxnSpPr>
+            <a:cxnSpLocks/>
+          </p:cNvCxnSpPr>
           <p:nvPr/>
         </p:nvCxnSpPr>
         <p:spPr>
           <a:xfrm>
-            <a:off x="1745755" y="3072151"/>
-            <a:ext cx="1119851" cy="0"/>
+            <a:off x="762000" y="3072151"/>
+            <a:ext cx="2103606" cy="0"/>
           </a:xfrm>
           <a:prstGeom prst="straightConnector1">
             <a:avLst/>
           </a:prstGeom>
           <a:ln w="19050">
             <a:solidFill>
-              <a:srgbClr val="00B050"/>
+              <a:srgbClr val="0070C0"/>
             </a:solidFill>
             <a:tailEnd type="arrow"/>
           </a:ln>
@@ -3867,21 +3861,19 @@
             <a:avLst/>
           </a:prstGeom>
           <a:ln w="19050">
-            <a:solidFill>
-              <a:srgbClr val="0070C0"/>
-            </a:solidFill>
+            <a:prstDash val="solid"/>
             <a:tailEnd type="arrow"/>
           </a:ln>
         </p:spPr>
         <p:style>
           <a:lnRef idx="1">
-            <a:schemeClr val="accent1"/>
+            <a:schemeClr val="accent4"/>
           </a:lnRef>
           <a:fillRef idx="0">
-            <a:schemeClr val="accent1"/>
+            <a:schemeClr val="accent4"/>
           </a:fillRef>
           <a:effectRef idx="0">
-            <a:schemeClr val="accent1"/>
+            <a:schemeClr val="accent4"/>
           </a:effectRef>
           <a:fontRef idx="minor">
             <a:schemeClr val="tx1"/>
@@ -3903,23 +3895,20 @@
             <a:avLst/>
           </a:prstGeom>
           <a:ln w="19050">
-            <a:solidFill>
-              <a:srgbClr val="0070C0"/>
-            </a:solidFill>
-            <a:prstDash val="sysDash"/>
+            <a:prstDash val="sysDot"/>
             <a:headEnd type="arrow" w="med" len="med"/>
             <a:tailEnd type="none" w="med" len="med"/>
           </a:ln>
         </p:spPr>
         <p:style>
           <a:lnRef idx="1">
-            <a:schemeClr val="accent1"/>
+            <a:schemeClr val="accent4"/>
           </a:lnRef>
           <a:fillRef idx="0">
-            <a:schemeClr val="accent1"/>
+            <a:schemeClr val="accent4"/>
           </a:fillRef>
           <a:effectRef idx="0">
-            <a:schemeClr val="accent1"/>
+            <a:schemeClr val="accent4"/>
           </a:effectRef>
           <a:fontRef idx="minor">
             <a:schemeClr val="tx1"/>
@@ -3929,35 +3918,34 @@
       <p:cxnSp>
         <p:nvCxnSpPr>
           <p:cNvPr id="37" name="Straight Arrow Connector 36"/>
-          <p:cNvCxnSpPr/>
+          <p:cNvCxnSpPr>
+            <a:cxnSpLocks/>
+          </p:cNvCxnSpPr>
           <p:nvPr/>
         </p:nvCxnSpPr>
         <p:spPr>
           <a:xfrm>
-            <a:off x="1669554" y="3562752"/>
-            <a:ext cx="1196051" cy="0"/>
+            <a:off x="685800" y="3698124"/>
+            <a:ext cx="2179805" cy="0"/>
           </a:xfrm>
           <a:prstGeom prst="straightConnector1">
             <a:avLst/>
           </a:prstGeom>
           <a:ln w="19050">
-            <a:solidFill>
-              <a:schemeClr val="accent1"/>
-            </a:solidFill>
-            <a:prstDash val="sysDash"/>
+            <a:prstDash val="sysDot"/>
             <a:headEnd type="arrow" w="med" len="med"/>
             <a:tailEnd type="none" w="med" len="med"/>
           </a:ln>
         </p:spPr>
         <p:style>
           <a:lnRef idx="1">
-            <a:schemeClr val="accent1"/>
+            <a:schemeClr val="accent4"/>
           </a:lnRef>
           <a:fillRef idx="0">
-            <a:schemeClr val="accent1"/>
+            <a:schemeClr val="accent4"/>
           </a:fillRef>
           <a:effectRef idx="0">
-            <a:schemeClr val="accent1"/>
+            <a:schemeClr val="accent4"/>
           </a:effectRef>
           <a:fontRef idx="minor">
             <a:schemeClr val="tx1"/>
@@ -3966,41 +3954,36 @@
       </p:cxnSp>
       <p:cxnSp>
         <p:nvCxnSpPr>
-          <p:cNvPr id="71" name="Straight Connector 70"/>
-          <p:cNvCxnSpPr/>
+          <p:cNvPr id="46" name="Straight Connector 45"/>
+          <p:cNvCxnSpPr>
+            <a:cxnSpLocks/>
+          </p:cNvCxnSpPr>
           <p:nvPr/>
         </p:nvCxnSpPr>
         <p:spPr>
           <a:xfrm>
-            <a:off x="9009748" y="2700858"/>
-            <a:ext cx="0" cy="2830598"/>
+            <a:off x="6527623" y="2913966"/>
+            <a:ext cx="0" cy="972234"/>
           </a:xfrm>
           <a:prstGeom prst="line">
             <a:avLst/>
           </a:prstGeom>
           <a:ln w="19050">
-            <a:solidFill>
-              <a:schemeClr val="accent4">
-                <a:lumMod val="60000"/>
-                <a:lumOff val="40000"/>
-              </a:schemeClr>
-            </a:solidFill>
-            <a:prstDash val="sysDash"/>
+            <a:prstDash val="sysDot"/>
           </a:ln>
-          <a:effectLst/>
         </p:spPr>
         <p:style>
           <a:lnRef idx="1">
-            <a:schemeClr val="accent1"/>
+            <a:schemeClr val="accent4"/>
           </a:lnRef>
-          <a:fillRef idx="2">
-            <a:schemeClr val="accent1"/>
+          <a:fillRef idx="0">
+            <a:schemeClr val="accent4"/>
           </a:fillRef>
-          <a:effectRef idx="1">
-            <a:schemeClr val="accent1"/>
+          <a:effectRef idx="0">
+            <a:schemeClr val="accent4"/>
           </a:effectRef>
           <a:fontRef idx="minor">
-            <a:schemeClr val="dk1"/>
+            <a:schemeClr val="tx1"/>
           </a:fontRef>
         </p:style>
       </p:cxnSp>
@@ -4038,10 +4021,21 @@
           </a:lstStyle>
           <a:p>
             <a:r>
-              <a:rPr lang="en-US"/>
-              <a:t>updatePassword(p)</a:t>
-            </a:r>
-            <a:endParaRPr lang="en-US" dirty="0"/>
+              <a:rPr lang="en-US" dirty="0" err="1">
+                <a:solidFill>
+                  <a:srgbClr val="7030A0"/>
+                </a:solidFill>
+              </a:rPr>
+              <a:t>updatePassword</a:t>
+            </a:r>
+            <a:r>
+              <a:rPr lang="en-US" dirty="0">
+                <a:solidFill>
+                  <a:srgbClr val="7030A0"/>
+                </a:solidFill>
+              </a:rPr>
+              <a:t>(p)</a:t>
+            </a:r>
           </a:p>
         </p:txBody>
       </p:sp>
@@ -4060,11 +4054,11 @@
             <a:avLst/>
           </a:prstGeom>
           <a:solidFill>
-            <a:srgbClr val="0070C0"/>
+            <a:srgbClr val="7030A0"/>
           </a:solidFill>
           <a:ln w="19050">
             <a:solidFill>
-              <a:srgbClr val="0070C0"/>
+              <a:srgbClr val="7030A0"/>
             </a:solidFill>
           </a:ln>
           <a:effectLst/>
@@ -4089,18 +4083,13 @@
           <a:p>
             <a:pPr algn="ctr"/>
             <a:r>
-              <a:rPr lang="en-US" sz="1600" dirty="0" smtClean="0">
+              <a:rPr lang="en-US" sz="1600" dirty="0">
                 <a:solidFill>
                   <a:schemeClr val="bg1"/>
                 </a:solidFill>
               </a:rPr>
               <a:t>:Password</a:t>
             </a:r>
-            <a:endParaRPr lang="en-US" sz="1600" dirty="0">
-              <a:solidFill>
-                <a:schemeClr val="bg1"/>
-              </a:solidFill>
-            </a:endParaRPr>
           </a:p>
         </p:txBody>
       </p:sp>
@@ -4119,11 +4108,11 @@
             <a:avLst/>
           </a:prstGeom>
           <a:solidFill>
-            <a:srgbClr val="0070C0"/>
+            <a:srgbClr val="7030A0"/>
           </a:solidFill>
           <a:ln>
             <a:solidFill>
-              <a:srgbClr val="0070C0"/>
+              <a:srgbClr val="7030A0"/>
             </a:solidFill>
           </a:ln>
           <a:effectLst/>
@@ -4153,43 +4142,6 @@
       </p:sp>
       <p:cxnSp>
         <p:nvCxnSpPr>
-          <p:cNvPr id="46" name="Straight Connector 45"/>
-          <p:cNvCxnSpPr/>
-          <p:nvPr/>
-        </p:nvCxnSpPr>
-        <p:spPr>
-          <a:xfrm>
-            <a:off x="6527623" y="2913966"/>
-            <a:ext cx="9716" cy="648786"/>
-          </a:xfrm>
-          <a:prstGeom prst="line">
-            <a:avLst/>
-          </a:prstGeom>
-          <a:ln w="19050">
-            <a:solidFill>
-              <a:srgbClr val="0070C0"/>
-            </a:solidFill>
-            <a:prstDash val="sysDash"/>
-          </a:ln>
-          <a:effectLst/>
-        </p:spPr>
-        <p:style>
-          <a:lnRef idx="1">
-            <a:schemeClr val="accent1"/>
-          </a:lnRef>
-          <a:fillRef idx="2">
-            <a:schemeClr val="accent1"/>
-          </a:fillRef>
-          <a:effectRef idx="1">
-            <a:schemeClr val="accent1"/>
-          </a:effectRef>
-          <a:fontRef idx="minor">
-            <a:schemeClr val="dk1"/>
-          </a:fontRef>
-        </p:style>
-      </p:cxnSp>
-      <p:cxnSp>
-        <p:nvCxnSpPr>
           <p:cNvPr id="50" name="Straight Arrow Connector 49"/>
           <p:cNvCxnSpPr/>
           <p:nvPr/>
@@ -4203,21 +4155,19 @@
             <a:avLst/>
           </a:prstGeom>
           <a:ln w="19050">
-            <a:solidFill>
-              <a:srgbClr val="0070C0"/>
-            </a:solidFill>
+            <a:prstDash val="solid"/>
             <a:tailEnd type="arrow"/>
           </a:ln>
         </p:spPr>
         <p:style>
           <a:lnRef idx="1">
-            <a:schemeClr val="accent1"/>
+            <a:schemeClr val="accent4"/>
           </a:lnRef>
           <a:fillRef idx="0">
-            <a:schemeClr val="accent1"/>
+            <a:schemeClr val="accent4"/>
           </a:fillRef>
           <a:effectRef idx="0">
-            <a:schemeClr val="accent1"/>
+            <a:schemeClr val="accent4"/>
           </a:effectRef>
           <a:fontRef idx="minor">
             <a:schemeClr val="tx1"/>
@@ -4239,23 +4189,20 @@
             <a:avLst/>
           </a:prstGeom>
           <a:ln w="19050">
-            <a:solidFill>
-              <a:srgbClr val="0070C0"/>
-            </a:solidFill>
-            <a:prstDash val="sysDash"/>
+            <a:prstDash val="sysDot"/>
             <a:headEnd type="arrow" w="med" len="med"/>
             <a:tailEnd type="none" w="med" len="med"/>
           </a:ln>
         </p:spPr>
         <p:style>
           <a:lnRef idx="1">
-            <a:schemeClr val="accent1"/>
+            <a:schemeClr val="accent4"/>
           </a:lnRef>
           <a:fillRef idx="0">
-            <a:schemeClr val="accent1"/>
+            <a:schemeClr val="accent4"/>
           </a:fillRef>
           <a:effectRef idx="0">
-            <a:schemeClr val="accent1"/>
+            <a:schemeClr val="accent4"/>
           </a:effectRef>
           <a:fontRef idx="minor">
             <a:schemeClr val="tx1"/>
@@ -4296,10 +4243,21 @@
           </a:lstStyle>
           <a:p>
             <a:r>
-              <a:rPr lang="en-US"/>
-              <a:t>updatePassword(p)</a:t>
-            </a:r>
-            <a:endParaRPr lang="en-US" dirty="0"/>
+              <a:rPr lang="en-US" dirty="0" err="1">
+                <a:solidFill>
+                  <a:srgbClr val="7030A0"/>
+                </a:solidFill>
+              </a:rPr>
+              <a:t>updatePassword</a:t>
+            </a:r>
+            <a:r>
+              <a:rPr lang="en-US" dirty="0">
+                <a:solidFill>
+                  <a:srgbClr val="7030A0"/>
+                </a:solidFill>
+              </a:rPr>
+              <a:t>(p)</a:t>
+            </a:r>
           </a:p>
         </p:txBody>
       </p:sp>
@@ -4337,10 +4295,21 @@
           </a:lstStyle>
           <a:p>
             <a:r>
-              <a:rPr lang="en-US"/>
-              <a:t>updatePassword(p)</a:t>
-            </a:r>
-            <a:endParaRPr lang="en-US" dirty="0"/>
+              <a:rPr lang="en-US" dirty="0" err="1">
+                <a:solidFill>
+                  <a:srgbClr val="7030A0"/>
+                </a:solidFill>
+              </a:rPr>
+              <a:t>updatePassword</a:t>
+            </a:r>
+            <a:r>
+              <a:rPr lang="en-US" dirty="0">
+                <a:solidFill>
+                  <a:srgbClr val="7030A0"/>
+                </a:solidFill>
+              </a:rPr>
+              <a:t>(p)</a:t>
+            </a:r>
           </a:p>
         </p:txBody>
       </p:sp>
